--- a/Presentación.pptx
+++ b/Presentación.pptx
@@ -7,6 +7,12 @@
   <p:sldIdLst>
     <p:sldId id="256" r:id="rId2"/>
     <p:sldId id="257" r:id="rId3"/>
+    <p:sldId id="259" r:id="rId4"/>
+    <p:sldId id="258" r:id="rId5"/>
+    <p:sldId id="260" r:id="rId6"/>
+    <p:sldId id="261" r:id="rId7"/>
+    <p:sldId id="264" r:id="rId8"/>
+    <p:sldId id="265" r:id="rId9"/>
   </p:sldIdLst>
   <p:sldSz cx="12192000" cy="6858000"/>
   <p:notesSz cx="6858000" cy="9144000"/>
@@ -105,6 +111,11 @@
       </a:defRPr>
     </a:lvl9pPr>
   </p:defaultTextStyle>
+  <p:extLst>
+    <p:ext uri="{EFAFB233-063F-42B5-8137-9DF3F51BA10A}">
+      <p15:sldGuideLst xmlns:p15="http://schemas.microsoft.com/office/powerpoint/2012/main"/>
+    </p:ext>
+  </p:extLst>
 </p:presentation>
 </file>
 
@@ -12789,6 +12800,1037 @@
 </p:sld>
 </file>
 
+<file path=ppt/slides/slide3.xml><?xml version="1.0" encoding="utf-8"?>
+<p:sld xmlns:a="http://schemas.openxmlformats.org/drawingml/2006/main" xmlns:r="http://schemas.openxmlformats.org/officeDocument/2006/relationships" xmlns:p="http://schemas.openxmlformats.org/presentationml/2006/main">
+  <p:cSld>
+    <p:spTree>
+      <p:nvGrpSpPr>
+        <p:cNvPr id="1" name=""/>
+        <p:cNvGrpSpPr/>
+        <p:nvPr/>
+      </p:nvGrpSpPr>
+      <p:grpSpPr>
+        <a:xfrm>
+          <a:off x="0" y="0"/>
+          <a:ext cx="0" cy="0"/>
+          <a:chOff x="0" y="0"/>
+          <a:chExt cx="0" cy="0"/>
+        </a:xfrm>
+      </p:grpSpPr>
+      <p:sp>
+        <p:nvSpPr>
+          <p:cNvPr id="2" name="Título 1">
+            <a:extLst>
+              <a:ext uri="{FF2B5EF4-FFF2-40B4-BE49-F238E27FC236}">
+                <a16:creationId xmlns:a16="http://schemas.microsoft.com/office/drawing/2014/main" id="{FE1A9623-94EC-456D-BB01-3EA9581E9748}"/>
+              </a:ext>
+            </a:extLst>
+          </p:cNvPr>
+          <p:cNvSpPr>
+            <a:spLocks noGrp="1"/>
+          </p:cNvSpPr>
+          <p:nvPr>
+            <p:ph type="title"/>
+          </p:nvPr>
+        </p:nvSpPr>
+        <p:spPr/>
+        <p:txBody>
+          <a:bodyPr/>
+          <a:lstStyle/>
+          <a:p>
+            <a:r>
+              <a:rPr lang="es-CL" dirty="0"/>
+              <a:t>Salidas deseadas</a:t>
+            </a:r>
+          </a:p>
+        </p:txBody>
+      </p:sp>
+      <p:sp>
+        <p:nvSpPr>
+          <p:cNvPr id="3" name="Marcador de contenido 2">
+            <a:extLst>
+              <a:ext uri="{FF2B5EF4-FFF2-40B4-BE49-F238E27FC236}">
+                <a16:creationId xmlns:a16="http://schemas.microsoft.com/office/drawing/2014/main" id="{9FD8DDDF-5DEE-4042-8B70-400A5970C7A6}"/>
+              </a:ext>
+            </a:extLst>
+          </p:cNvPr>
+          <p:cNvSpPr>
+            <a:spLocks noGrp="1"/>
+          </p:cNvSpPr>
+          <p:nvPr>
+            <p:ph idx="1"/>
+          </p:nvPr>
+        </p:nvSpPr>
+        <p:spPr/>
+        <p:txBody>
+          <a:bodyPr/>
+          <a:lstStyle/>
+          <a:p>
+            <a:r>
+              <a:rPr lang="es-CL" dirty="0"/>
+              <a:t>Salida deseada:</a:t>
+            </a:r>
+          </a:p>
+          <a:p>
+            <a:endParaRPr lang="es-CL" dirty="0"/>
+          </a:p>
+          <a:p>
+            <a:r>
+              <a:rPr lang="es-CL" dirty="0"/>
+              <a:t>Salida incorrecta:</a:t>
+            </a:r>
+          </a:p>
+        </p:txBody>
+      </p:sp>
+      <p:sp>
+        <p:nvSpPr>
+          <p:cNvPr id="4" name="Rectangle 3">
+            <a:extLst>
+              <a:ext uri="{FF2B5EF4-FFF2-40B4-BE49-F238E27FC236}">
+                <a16:creationId xmlns:a16="http://schemas.microsoft.com/office/drawing/2014/main" id="{AEDE201E-BBA6-4ED3-B90E-FC77BDAF8C4E}"/>
+              </a:ext>
+            </a:extLst>
+          </p:cNvPr>
+          <p:cNvSpPr>
+            <a:spLocks noChangeArrowheads="1"/>
+          </p:cNvSpPr>
+          <p:nvPr/>
+        </p:nvSpPr>
+        <p:spPr bwMode="auto">
+          <a:xfrm>
+            <a:off x="1367405" y="2881370"/>
+            <a:ext cx="5771625" cy="307777"/>
+          </a:xfrm>
+          <a:prstGeom prst="rect">
+            <a:avLst/>
+          </a:prstGeom>
+          <a:solidFill>
+            <a:srgbClr val="FFFFFF"/>
+          </a:solidFill>
+          <a:ln>
+            <a:noFill/>
+          </a:ln>
+          <a:effectLst/>
+          <a:extLst>
+            <a:ext uri="{91240B29-F687-4F45-9708-019B960494DF}">
+              <a14:hiddenLine xmlns:a14="http://schemas.microsoft.com/office/drawing/2010/main" w="9525">
+                <a:solidFill>
+                  <a:schemeClr val="tx1"/>
+                </a:solidFill>
+                <a:miter lim="800000"/>
+                <a:headEnd/>
+                <a:tailEnd/>
+              </a14:hiddenLine>
+            </a:ext>
+            <a:ext uri="{AF507438-7753-43E0-B8FC-AC1667EBCBE1}">
+              <a14:hiddenEffects xmlns:a14="http://schemas.microsoft.com/office/drawing/2010/main">
+                <a:effectLst>
+                  <a:outerShdw dist="35921" dir="2700000" algn="ctr" rotWithShape="0">
+                    <a:schemeClr val="bg2"/>
+                  </a:outerShdw>
+                </a:effectLst>
+              </a14:hiddenEffects>
+            </a:ext>
+          </a:extLst>
+        </p:spPr>
+        <p:txBody>
+          <a:bodyPr vert="horz" wrap="square" lIns="0" tIns="0" rIns="0" bIns="0" numCol="1" anchor="ctr" anchorCtr="0" compatLnSpc="1">
+            <a:prstTxWarp prst="textNoShape">
+              <a:avLst/>
+            </a:prstTxWarp>
+            <a:spAutoFit/>
+          </a:bodyPr>
+          <a:lstStyle/>
+          <a:p>
+            <a:pPr marL="0" marR="0" lvl="0" indent="0" algn="l" defTabSz="914400" rtl="0" eaLnBrk="0" fontAlgn="base" latinLnBrk="0" hangingPunct="0">
+              <a:lnSpc>
+                <a:spcPct val="100000"/>
+              </a:lnSpc>
+              <a:spcBef>
+                <a:spcPct val="0"/>
+              </a:spcBef>
+              <a:spcAft>
+                <a:spcPct val="0"/>
+              </a:spcAft>
+              <a:buClrTx/>
+              <a:buSzTx/>
+              <a:buFontTx/>
+              <a:buNone/>
+              <a:tabLst/>
+            </a:pPr>
+            <a:r>
+              <a:rPr kumimoji="0" lang="es-CL" altLang="es-CL" sz="2000" b="0" i="0" u="none" strike="noStrike" cap="none" normalizeH="0" baseline="0" dirty="0">
+                <a:ln>
+                  <a:noFill/>
+                </a:ln>
+                <a:solidFill>
+                  <a:srgbClr val="000000"/>
+                </a:solidFill>
+                <a:effectLst/>
+                <a:latin typeface="Courier New" panose="02070309020205020404" pitchFamily="49" charset="0"/>
+              </a:rPr>
+              <a:t>0 0 0 0 0 0 1 1 1 1 1 1 1 0 0 0 0 0 0</a:t>
+            </a:r>
+            <a:endParaRPr kumimoji="0" lang="es-CL" altLang="es-CL" sz="4400" b="0" i="0" u="none" strike="noStrike" cap="none" normalizeH="0" baseline="0" dirty="0">
+              <a:ln>
+                <a:noFill/>
+              </a:ln>
+              <a:solidFill>
+                <a:schemeClr val="tx1"/>
+              </a:solidFill>
+              <a:effectLst/>
+              <a:latin typeface="Arial" panose="020B0604020202020204" pitchFamily="34" charset="0"/>
+            </a:endParaRPr>
+          </a:p>
+        </p:txBody>
+      </p:sp>
+      <p:sp>
+        <p:nvSpPr>
+          <p:cNvPr id="5" name="Rectangle 3">
+            <a:extLst>
+              <a:ext uri="{FF2B5EF4-FFF2-40B4-BE49-F238E27FC236}">
+                <a16:creationId xmlns:a16="http://schemas.microsoft.com/office/drawing/2014/main" id="{AA0FC207-0DC0-43FF-8313-057D9C0E1402}"/>
+              </a:ext>
+            </a:extLst>
+          </p:cNvPr>
+          <p:cNvSpPr>
+            <a:spLocks noChangeArrowheads="1"/>
+          </p:cNvSpPr>
+          <p:nvPr/>
+        </p:nvSpPr>
+        <p:spPr bwMode="auto">
+          <a:xfrm>
+            <a:off x="1367406" y="4302561"/>
+            <a:ext cx="5771624" cy="307777"/>
+          </a:xfrm>
+          <a:prstGeom prst="rect">
+            <a:avLst/>
+          </a:prstGeom>
+          <a:solidFill>
+            <a:srgbClr val="FFFFFF"/>
+          </a:solidFill>
+          <a:ln>
+            <a:noFill/>
+          </a:ln>
+          <a:effectLst/>
+          <a:extLst>
+            <a:ext uri="{91240B29-F687-4F45-9708-019B960494DF}">
+              <a14:hiddenLine xmlns:a14="http://schemas.microsoft.com/office/drawing/2010/main" w="9525">
+                <a:solidFill>
+                  <a:schemeClr val="tx1"/>
+                </a:solidFill>
+                <a:miter lim="800000"/>
+                <a:headEnd/>
+                <a:tailEnd/>
+              </a14:hiddenLine>
+            </a:ext>
+            <a:ext uri="{AF507438-7753-43E0-B8FC-AC1667EBCBE1}">
+              <a14:hiddenEffects xmlns:a14="http://schemas.microsoft.com/office/drawing/2010/main">
+                <a:effectLst>
+                  <a:outerShdw dist="35921" dir="2700000" algn="ctr" rotWithShape="0">
+                    <a:schemeClr val="bg2"/>
+                  </a:outerShdw>
+                </a:effectLst>
+              </a14:hiddenEffects>
+            </a:ext>
+          </a:extLst>
+        </p:spPr>
+        <p:txBody>
+          <a:bodyPr vert="horz" wrap="square" lIns="0" tIns="0" rIns="0" bIns="0" numCol="1" anchor="ctr" anchorCtr="0" compatLnSpc="1">
+            <a:prstTxWarp prst="textNoShape">
+              <a:avLst/>
+            </a:prstTxWarp>
+            <a:spAutoFit/>
+          </a:bodyPr>
+          <a:lstStyle/>
+          <a:p>
+            <a:pPr marL="0" marR="0" lvl="0" indent="0" algn="l" defTabSz="914400" rtl="0" eaLnBrk="0" fontAlgn="base" latinLnBrk="0" hangingPunct="0">
+              <a:lnSpc>
+                <a:spcPct val="100000"/>
+              </a:lnSpc>
+              <a:spcBef>
+                <a:spcPct val="0"/>
+              </a:spcBef>
+              <a:spcAft>
+                <a:spcPct val="0"/>
+              </a:spcAft>
+              <a:buClrTx/>
+              <a:buSzTx/>
+              <a:buFontTx/>
+              <a:buNone/>
+              <a:tabLst/>
+            </a:pPr>
+            <a:r>
+              <a:rPr kumimoji="0" lang="es-CL" altLang="es-CL" sz="2000" b="0" i="0" u="none" strike="noStrike" cap="none" normalizeH="0" baseline="0" dirty="0">
+                <a:ln>
+                  <a:noFill/>
+                </a:ln>
+                <a:solidFill>
+                  <a:srgbClr val="000000"/>
+                </a:solidFill>
+                <a:effectLst/>
+                <a:latin typeface="Courier New" panose="02070309020205020404" pitchFamily="49" charset="0"/>
+              </a:rPr>
+              <a:t>0 0 0 0 1 0 1 1 0 1 1 0 1 0 1 0 0 0 0</a:t>
+            </a:r>
+            <a:endParaRPr kumimoji="0" lang="es-CL" altLang="es-CL" sz="4400" b="0" i="0" u="none" strike="noStrike" cap="none" normalizeH="0" baseline="0" dirty="0">
+              <a:ln>
+                <a:noFill/>
+              </a:ln>
+              <a:solidFill>
+                <a:schemeClr val="tx1"/>
+              </a:solidFill>
+              <a:effectLst/>
+              <a:latin typeface="Arial" panose="020B0604020202020204" pitchFamily="34" charset="0"/>
+            </a:endParaRPr>
+          </a:p>
+        </p:txBody>
+      </p:sp>
+    </p:spTree>
+    <p:extLst>
+      <p:ext uri="{BB962C8B-B14F-4D97-AF65-F5344CB8AC3E}">
+        <p14:creationId xmlns:p14="http://schemas.microsoft.com/office/powerpoint/2010/main" val="2217316755"/>
+      </p:ext>
+    </p:extLst>
+  </p:cSld>
+  <p:clrMapOvr>
+    <a:masterClrMapping/>
+  </p:clrMapOvr>
+</p:sld>
+</file>
+
+<file path=ppt/slides/slide4.xml><?xml version="1.0" encoding="utf-8"?>
+<p:sld xmlns:a="http://schemas.openxmlformats.org/drawingml/2006/main" xmlns:r="http://schemas.openxmlformats.org/officeDocument/2006/relationships" xmlns:p="http://schemas.openxmlformats.org/presentationml/2006/main">
+  <p:cSld>
+    <p:spTree>
+      <p:nvGrpSpPr>
+        <p:cNvPr id="1" name=""/>
+        <p:cNvGrpSpPr/>
+        <p:nvPr/>
+      </p:nvGrpSpPr>
+      <p:grpSpPr>
+        <a:xfrm>
+          <a:off x="0" y="0"/>
+          <a:ext cx="0" cy="0"/>
+          <a:chOff x="0" y="0"/>
+          <a:chExt cx="0" cy="0"/>
+        </a:xfrm>
+      </p:grpSpPr>
+      <p:sp>
+        <p:nvSpPr>
+          <p:cNvPr id="2" name="Título 1">
+            <a:extLst>
+              <a:ext uri="{FF2B5EF4-FFF2-40B4-BE49-F238E27FC236}">
+                <a16:creationId xmlns:a16="http://schemas.microsoft.com/office/drawing/2014/main" id="{D614E120-08F3-468C-A8EE-8715405E28D8}"/>
+              </a:ext>
+            </a:extLst>
+          </p:cNvPr>
+          <p:cNvSpPr>
+            <a:spLocks noGrp="1"/>
+          </p:cNvSpPr>
+          <p:nvPr>
+            <p:ph type="title"/>
+          </p:nvPr>
+        </p:nvSpPr>
+        <p:spPr/>
+        <p:txBody>
+          <a:bodyPr/>
+          <a:lstStyle/>
+          <a:p>
+            <a:r>
+              <a:rPr lang="es-CL" dirty="0"/>
+              <a:t>Red propuesta</a:t>
+            </a:r>
+          </a:p>
+        </p:txBody>
+      </p:sp>
+      <p:sp>
+        <p:nvSpPr>
+          <p:cNvPr id="3" name="Marcador de contenido 2">
+            <a:extLst>
+              <a:ext uri="{FF2B5EF4-FFF2-40B4-BE49-F238E27FC236}">
+                <a16:creationId xmlns:a16="http://schemas.microsoft.com/office/drawing/2014/main" id="{7B3E3783-5CD4-480E-B8D7-A2B2ECFA880C}"/>
+              </a:ext>
+            </a:extLst>
+          </p:cNvPr>
+          <p:cNvSpPr>
+            <a:spLocks noGrp="1"/>
+          </p:cNvSpPr>
+          <p:nvPr>
+            <p:ph idx="1"/>
+          </p:nvPr>
+        </p:nvSpPr>
+        <p:spPr/>
+        <p:txBody>
+          <a:bodyPr/>
+          <a:lstStyle/>
+          <a:p>
+            <a:endParaRPr lang="es-CL" dirty="0"/>
+          </a:p>
+        </p:txBody>
+      </p:sp>
+      <p:sp>
+        <p:nvSpPr>
+          <p:cNvPr id="4" name="AutoShape 2">
+            <a:extLst>
+              <a:ext uri="{FF2B5EF4-FFF2-40B4-BE49-F238E27FC236}">
+                <a16:creationId xmlns:a16="http://schemas.microsoft.com/office/drawing/2014/main" id="{B677ACC7-72C0-4C73-A13F-ED079CDB847E}"/>
+              </a:ext>
+            </a:extLst>
+          </p:cNvPr>
+          <p:cNvSpPr>
+            <a:spLocks noChangeAspect="1" noChangeArrowheads="1"/>
+          </p:cNvSpPr>
+          <p:nvPr/>
+        </p:nvSpPr>
+        <p:spPr bwMode="auto">
+          <a:xfrm>
+            <a:off x="2902591" y="3276599"/>
+            <a:ext cx="3345809" cy="3345809"/>
+          </a:xfrm>
+          <a:prstGeom prst="rect">
+            <a:avLst/>
+          </a:prstGeom>
+          <a:noFill/>
+          <a:extLst>
+            <a:ext uri="{909E8E84-426E-40DD-AFC4-6F175D3DCCD1}">
+              <a14:hiddenFill xmlns:a14="http://schemas.microsoft.com/office/drawing/2010/main">
+                <a:solidFill>
+                  <a:srgbClr val="FFFFFF"/>
+                </a:solidFill>
+              </a14:hiddenFill>
+            </a:ext>
+          </a:extLst>
+        </p:spPr>
+        <p:txBody>
+          <a:bodyPr vert="horz" wrap="square" lIns="91440" tIns="45720" rIns="91440" bIns="45720" numCol="1" anchor="t" anchorCtr="0" compatLnSpc="1">
+            <a:prstTxWarp prst="textNoShape">
+              <a:avLst/>
+            </a:prstTxWarp>
+          </a:bodyPr>
+          <a:lstStyle/>
+          <a:p>
+            <a:endParaRPr lang="es-CL"/>
+          </a:p>
+        </p:txBody>
+      </p:sp>
+      <p:sp>
+        <p:nvSpPr>
+          <p:cNvPr id="5" name="AutoShape 2">
+            <a:extLst>
+              <a:ext uri="{FF2B5EF4-FFF2-40B4-BE49-F238E27FC236}">
+                <a16:creationId xmlns:a16="http://schemas.microsoft.com/office/drawing/2014/main" id="{2C6942FF-982B-40EB-837C-F3D6FB95AEBE}"/>
+              </a:ext>
+            </a:extLst>
+          </p:cNvPr>
+          <p:cNvSpPr>
+            <a:spLocks noChangeAspect="1" noChangeArrowheads="1"/>
+          </p:cNvSpPr>
+          <p:nvPr/>
+        </p:nvSpPr>
+        <p:spPr bwMode="auto">
+          <a:xfrm>
+            <a:off x="5943600" y="3276600"/>
+            <a:ext cx="304800" cy="304800"/>
+          </a:xfrm>
+          <a:prstGeom prst="rect">
+            <a:avLst/>
+          </a:prstGeom>
+          <a:noFill/>
+          <a:extLst>
+            <a:ext uri="{909E8E84-426E-40DD-AFC4-6F175D3DCCD1}">
+              <a14:hiddenFill xmlns:a14="http://schemas.microsoft.com/office/drawing/2010/main">
+                <a:solidFill>
+                  <a:srgbClr val="FFFFFF"/>
+                </a:solidFill>
+              </a14:hiddenFill>
+            </a:ext>
+          </a:extLst>
+        </p:spPr>
+        <p:txBody>
+          <a:bodyPr vert="horz" wrap="square" lIns="91440" tIns="45720" rIns="91440" bIns="45720" numCol="1" anchor="t" anchorCtr="0" compatLnSpc="1">
+            <a:prstTxWarp prst="textNoShape">
+              <a:avLst/>
+            </a:prstTxWarp>
+          </a:bodyPr>
+          <a:lstStyle/>
+          <a:p>
+            <a:endParaRPr lang="es-CL"/>
+          </a:p>
+        </p:txBody>
+      </p:sp>
+      <p:pic>
+        <p:nvPicPr>
+          <p:cNvPr id="7" name="Imagen 6">
+            <a:extLst>
+              <a:ext uri="{FF2B5EF4-FFF2-40B4-BE49-F238E27FC236}">
+                <a16:creationId xmlns:a16="http://schemas.microsoft.com/office/drawing/2014/main" id="{727F806B-869F-409F-B1C1-C94CE5B06C2D}"/>
+              </a:ext>
+            </a:extLst>
+          </p:cNvPr>
+          <p:cNvPicPr>
+            <a:picLocks noChangeAspect="1"/>
+          </p:cNvPicPr>
+          <p:nvPr/>
+        </p:nvPicPr>
+        <p:blipFill>
+          <a:blip r:embed="rId2"/>
+          <a:stretch>
+            <a:fillRect/>
+          </a:stretch>
+        </p:blipFill>
+        <p:spPr>
+          <a:xfrm>
+            <a:off x="24111" y="3025453"/>
+            <a:ext cx="12153900" cy="1924050"/>
+          </a:xfrm>
+          <a:prstGeom prst="rect">
+            <a:avLst/>
+          </a:prstGeom>
+        </p:spPr>
+      </p:pic>
+    </p:spTree>
+    <p:extLst>
+      <p:ext uri="{BB962C8B-B14F-4D97-AF65-F5344CB8AC3E}">
+        <p14:creationId xmlns:p14="http://schemas.microsoft.com/office/powerpoint/2010/main" val="3328438620"/>
+      </p:ext>
+    </p:extLst>
+  </p:cSld>
+  <p:clrMapOvr>
+    <a:masterClrMapping/>
+  </p:clrMapOvr>
+</p:sld>
+</file>
+
+<file path=ppt/slides/slide5.xml><?xml version="1.0" encoding="utf-8"?>
+<p:sld xmlns:a="http://schemas.openxmlformats.org/drawingml/2006/main" xmlns:r="http://schemas.openxmlformats.org/officeDocument/2006/relationships" xmlns:p="http://schemas.openxmlformats.org/presentationml/2006/main">
+  <p:cSld>
+    <p:spTree>
+      <p:nvGrpSpPr>
+        <p:cNvPr id="1" name=""/>
+        <p:cNvGrpSpPr/>
+        <p:nvPr/>
+      </p:nvGrpSpPr>
+      <p:grpSpPr>
+        <a:xfrm>
+          <a:off x="0" y="0"/>
+          <a:ext cx="0" cy="0"/>
+          <a:chOff x="0" y="0"/>
+          <a:chExt cx="0" cy="0"/>
+        </a:xfrm>
+      </p:grpSpPr>
+      <p:sp>
+        <p:nvSpPr>
+          <p:cNvPr id="2" name="Título 1">
+            <a:extLst>
+              <a:ext uri="{FF2B5EF4-FFF2-40B4-BE49-F238E27FC236}">
+                <a16:creationId xmlns:a16="http://schemas.microsoft.com/office/drawing/2014/main" id="{217CF4AB-DC27-4053-A442-1AA1B82512C6}"/>
+              </a:ext>
+            </a:extLst>
+          </p:cNvPr>
+          <p:cNvSpPr>
+            <a:spLocks noGrp="1"/>
+          </p:cNvSpPr>
+          <p:nvPr>
+            <p:ph type="title"/>
+          </p:nvPr>
+        </p:nvSpPr>
+        <p:spPr/>
+        <p:txBody>
+          <a:bodyPr/>
+          <a:lstStyle/>
+          <a:p>
+            <a:r>
+              <a:rPr lang="es-CL" dirty="0"/>
+              <a:t>Diseño del optimizador</a:t>
+            </a:r>
+          </a:p>
+        </p:txBody>
+      </p:sp>
+      <p:sp>
+        <p:nvSpPr>
+          <p:cNvPr id="3" name="Marcador de contenido 2">
+            <a:extLst>
+              <a:ext uri="{FF2B5EF4-FFF2-40B4-BE49-F238E27FC236}">
+                <a16:creationId xmlns:a16="http://schemas.microsoft.com/office/drawing/2014/main" id="{ADD7D1D4-64A1-4452-A6D7-7D84D54E307E}"/>
+              </a:ext>
+            </a:extLst>
+          </p:cNvPr>
+          <p:cNvSpPr>
+            <a:spLocks noGrp="1"/>
+          </p:cNvSpPr>
+          <p:nvPr>
+            <p:ph idx="1"/>
+          </p:nvPr>
+        </p:nvSpPr>
+        <p:spPr/>
+        <p:txBody>
+          <a:bodyPr/>
+          <a:lstStyle/>
+          <a:p>
+            <a:endParaRPr lang="es-CL" dirty="0"/>
+          </a:p>
+          <a:p>
+            <a:r>
+              <a:rPr lang="es-CL" dirty="0" err="1"/>
+              <a:t>Loss</a:t>
+            </a:r>
+            <a:r>
+              <a:rPr lang="es-CL" dirty="0"/>
+              <a:t>=“</a:t>
+            </a:r>
+            <a:r>
+              <a:rPr lang="es-CL" dirty="0" err="1"/>
+              <a:t>categorical_crossentropy</a:t>
+            </a:r>
+            <a:r>
+              <a:rPr lang="es-CL" dirty="0"/>
+              <a:t>” ≠ “</a:t>
+            </a:r>
+            <a:r>
+              <a:rPr lang="es-CL" dirty="0" err="1"/>
+              <a:t>sparse_categorical_crossentropy</a:t>
+            </a:r>
+            <a:r>
+              <a:rPr lang="es-CL" dirty="0"/>
+              <a:t>” </a:t>
+            </a:r>
+          </a:p>
+          <a:p>
+            <a:endParaRPr lang="es-CL" dirty="0"/>
+          </a:p>
+          <a:p>
+            <a:r>
+              <a:rPr lang="es-CL" dirty="0" err="1"/>
+              <a:t>Optimizer</a:t>
+            </a:r>
+            <a:r>
+              <a:rPr lang="es-CL" dirty="0"/>
+              <a:t>=“</a:t>
+            </a:r>
+            <a:r>
+              <a:rPr lang="es-CL" dirty="0" err="1"/>
+              <a:t>adam</a:t>
+            </a:r>
+            <a:r>
+              <a:rPr lang="es-CL" dirty="0"/>
+              <a:t>”</a:t>
+            </a:r>
+          </a:p>
+        </p:txBody>
+      </p:sp>
+    </p:spTree>
+    <p:extLst>
+      <p:ext uri="{BB962C8B-B14F-4D97-AF65-F5344CB8AC3E}">
+        <p14:creationId xmlns:p14="http://schemas.microsoft.com/office/powerpoint/2010/main" val="1360115097"/>
+      </p:ext>
+    </p:extLst>
+  </p:cSld>
+  <p:clrMapOvr>
+    <a:masterClrMapping/>
+  </p:clrMapOvr>
+</p:sld>
+</file>
+
+<file path=ppt/slides/slide6.xml><?xml version="1.0" encoding="utf-8"?>
+<p:sld xmlns:a="http://schemas.openxmlformats.org/drawingml/2006/main" xmlns:r="http://schemas.openxmlformats.org/officeDocument/2006/relationships" xmlns:p="http://schemas.openxmlformats.org/presentationml/2006/main">
+  <p:cSld>
+    <p:spTree>
+      <p:nvGrpSpPr>
+        <p:cNvPr id="1" name=""/>
+        <p:cNvGrpSpPr/>
+        <p:nvPr/>
+      </p:nvGrpSpPr>
+      <p:grpSpPr>
+        <a:xfrm>
+          <a:off x="0" y="0"/>
+          <a:ext cx="0" cy="0"/>
+          <a:chOff x="0" y="0"/>
+          <a:chExt cx="0" cy="0"/>
+        </a:xfrm>
+      </p:grpSpPr>
+      <p:sp>
+        <p:nvSpPr>
+          <p:cNvPr id="2" name="Título 1">
+            <a:extLst>
+              <a:ext uri="{FF2B5EF4-FFF2-40B4-BE49-F238E27FC236}">
+                <a16:creationId xmlns:a16="http://schemas.microsoft.com/office/drawing/2014/main" id="{75A9B21F-54F1-44DD-9448-A46C770BBC7E}"/>
+              </a:ext>
+            </a:extLst>
+          </p:cNvPr>
+          <p:cNvSpPr>
+            <a:spLocks noGrp="1"/>
+          </p:cNvSpPr>
+          <p:nvPr>
+            <p:ph type="title"/>
+          </p:nvPr>
+        </p:nvSpPr>
+        <p:spPr/>
+        <p:txBody>
+          <a:bodyPr/>
+          <a:lstStyle/>
+          <a:p>
+            <a:r>
+              <a:rPr lang="es-CL" dirty="0"/>
+              <a:t>Resultados deseados</a:t>
+            </a:r>
+          </a:p>
+        </p:txBody>
+      </p:sp>
+      <p:sp>
+        <p:nvSpPr>
+          <p:cNvPr id="3" name="Marcador de contenido 2">
+            <a:extLst>
+              <a:ext uri="{FF2B5EF4-FFF2-40B4-BE49-F238E27FC236}">
+                <a16:creationId xmlns:a16="http://schemas.microsoft.com/office/drawing/2014/main" id="{CCEEF05D-1B70-4BF0-945F-B1FACF18126F}"/>
+              </a:ext>
+            </a:extLst>
+          </p:cNvPr>
+          <p:cNvSpPr>
+            <a:spLocks noGrp="1"/>
+          </p:cNvSpPr>
+          <p:nvPr>
+            <p:ph idx="1"/>
+          </p:nvPr>
+        </p:nvSpPr>
+        <p:spPr/>
+        <p:txBody>
+          <a:bodyPr/>
+          <a:lstStyle/>
+          <a:p>
+            <a:r>
+              <a:rPr lang="es-CL" dirty="0" err="1"/>
+              <a:t>Accuracy</a:t>
+            </a:r>
+            <a:r>
+              <a:rPr lang="es-CL" dirty="0"/>
+              <a:t> </a:t>
+            </a:r>
+            <a:r>
+              <a:rPr lang="es-CL" dirty="0" err="1"/>
+              <a:t>paper</a:t>
+            </a:r>
+            <a:r>
+              <a:rPr lang="es-CL" dirty="0"/>
+              <a:t>: 96.08±0.44%</a:t>
+            </a:r>
+          </a:p>
+          <a:p>
+            <a:r>
+              <a:rPr lang="es-CL" dirty="0" err="1"/>
+              <a:t>Accuracy</a:t>
+            </a:r>
+            <a:r>
+              <a:rPr lang="es-CL" dirty="0"/>
+              <a:t> deseada: 90%</a:t>
+            </a:r>
+          </a:p>
+          <a:p>
+            <a:endParaRPr lang="es-CL" dirty="0"/>
+          </a:p>
+          <a:p>
+            <a:r>
+              <a:rPr lang="es-CL" dirty="0"/>
+              <a:t>F1 score </a:t>
+            </a:r>
+            <a:r>
+              <a:rPr lang="es-CL" dirty="0" err="1"/>
+              <a:t>paper</a:t>
+            </a:r>
+            <a:r>
+              <a:rPr lang="es-CL" dirty="0"/>
+              <a:t>: 0.83±0.02</a:t>
+            </a:r>
+          </a:p>
+          <a:p>
+            <a:r>
+              <a:rPr lang="es-CL" dirty="0"/>
+              <a:t>F1 score deseado: 0.75</a:t>
+            </a:r>
+          </a:p>
+        </p:txBody>
+      </p:sp>
+    </p:spTree>
+    <p:extLst>
+      <p:ext uri="{BB962C8B-B14F-4D97-AF65-F5344CB8AC3E}">
+        <p14:creationId xmlns:p14="http://schemas.microsoft.com/office/powerpoint/2010/main" val="2705150129"/>
+      </p:ext>
+    </p:extLst>
+  </p:cSld>
+  <p:clrMapOvr>
+    <a:masterClrMapping/>
+  </p:clrMapOvr>
+</p:sld>
+</file>
+
+<file path=ppt/slides/slide7.xml><?xml version="1.0" encoding="utf-8"?>
+<p:sld xmlns:a="http://schemas.openxmlformats.org/drawingml/2006/main" xmlns:r="http://schemas.openxmlformats.org/officeDocument/2006/relationships" xmlns:p="http://schemas.openxmlformats.org/presentationml/2006/main">
+  <p:cSld>
+    <p:spTree>
+      <p:nvGrpSpPr>
+        <p:cNvPr id="1" name=""/>
+        <p:cNvGrpSpPr/>
+        <p:nvPr/>
+      </p:nvGrpSpPr>
+      <p:grpSpPr>
+        <a:xfrm>
+          <a:off x="0" y="0"/>
+          <a:ext cx="0" cy="0"/>
+          <a:chOff x="0" y="0"/>
+          <a:chExt cx="0" cy="0"/>
+        </a:xfrm>
+      </p:grpSpPr>
+      <p:sp>
+        <p:nvSpPr>
+          <p:cNvPr id="2" name="Título 1">
+            <a:extLst>
+              <a:ext uri="{FF2B5EF4-FFF2-40B4-BE49-F238E27FC236}">
+                <a16:creationId xmlns:a16="http://schemas.microsoft.com/office/drawing/2014/main" id="{35C08B40-E8A7-4DC8-A7F5-E8FA05B7F60B}"/>
+              </a:ext>
+            </a:extLst>
+          </p:cNvPr>
+          <p:cNvSpPr>
+            <a:spLocks noGrp="1"/>
+          </p:cNvSpPr>
+          <p:nvPr>
+            <p:ph type="title"/>
+          </p:nvPr>
+        </p:nvSpPr>
+        <p:spPr/>
+        <p:txBody>
+          <a:bodyPr/>
+          <a:lstStyle/>
+          <a:p>
+            <a:r>
+              <a:rPr lang="es-CL" dirty="0"/>
+              <a:t>Resultados actuales</a:t>
+            </a:r>
+          </a:p>
+        </p:txBody>
+      </p:sp>
+      <p:sp>
+        <p:nvSpPr>
+          <p:cNvPr id="3" name="Marcador de contenido 2">
+            <a:extLst>
+              <a:ext uri="{FF2B5EF4-FFF2-40B4-BE49-F238E27FC236}">
+                <a16:creationId xmlns:a16="http://schemas.microsoft.com/office/drawing/2014/main" id="{A5BE70DA-0219-4694-BC8E-B91B506B21A3}"/>
+              </a:ext>
+            </a:extLst>
+          </p:cNvPr>
+          <p:cNvSpPr>
+            <a:spLocks noGrp="1"/>
+          </p:cNvSpPr>
+          <p:nvPr>
+            <p:ph idx="1"/>
+          </p:nvPr>
+        </p:nvSpPr>
+        <p:spPr/>
+        <p:txBody>
+          <a:bodyPr/>
+          <a:lstStyle/>
+          <a:p>
+            <a:r>
+              <a:rPr lang="es-CL" dirty="0" err="1"/>
+              <a:t>Accuracy</a:t>
+            </a:r>
+            <a:endParaRPr lang="es-CL" dirty="0"/>
+          </a:p>
+        </p:txBody>
+      </p:sp>
+      <p:pic>
+        <p:nvPicPr>
+          <p:cNvPr id="5" name="Imagen 4">
+            <a:extLst>
+              <a:ext uri="{FF2B5EF4-FFF2-40B4-BE49-F238E27FC236}">
+                <a16:creationId xmlns:a16="http://schemas.microsoft.com/office/drawing/2014/main" id="{5D0588ED-6987-4A78-AC15-BA93786F979E}"/>
+              </a:ext>
+            </a:extLst>
+          </p:cNvPr>
+          <p:cNvPicPr>
+            <a:picLocks noChangeAspect="1"/>
+          </p:cNvPicPr>
+          <p:nvPr/>
+        </p:nvPicPr>
+        <p:blipFill>
+          <a:blip r:embed="rId2"/>
+          <a:stretch>
+            <a:fillRect/>
+          </a:stretch>
+        </p:blipFill>
+        <p:spPr>
+          <a:xfrm>
+            <a:off x="989011" y="2846388"/>
+            <a:ext cx="10058400" cy="3829050"/>
+          </a:xfrm>
+          <a:prstGeom prst="rect">
+            <a:avLst/>
+          </a:prstGeom>
+        </p:spPr>
+      </p:pic>
+      <p:pic>
+        <p:nvPicPr>
+          <p:cNvPr id="6" name="Imagen 5">
+            <a:extLst>
+              <a:ext uri="{FF2B5EF4-FFF2-40B4-BE49-F238E27FC236}">
+                <a16:creationId xmlns:a16="http://schemas.microsoft.com/office/drawing/2014/main" id="{90C9AD39-BEB4-4822-BC69-C96CC361FE21}"/>
+              </a:ext>
+            </a:extLst>
+          </p:cNvPr>
+          <p:cNvPicPr>
+            <a:picLocks noChangeAspect="1"/>
+          </p:cNvPicPr>
+          <p:nvPr/>
+        </p:nvPicPr>
+        <p:blipFill>
+          <a:blip r:embed="rId3"/>
+          <a:stretch>
+            <a:fillRect/>
+          </a:stretch>
+        </p:blipFill>
+        <p:spPr>
+          <a:xfrm>
+            <a:off x="896953" y="1853456"/>
+            <a:ext cx="10150458" cy="319832"/>
+          </a:xfrm>
+          <a:prstGeom prst="rect">
+            <a:avLst/>
+          </a:prstGeom>
+        </p:spPr>
+      </p:pic>
+    </p:spTree>
+    <p:extLst>
+      <p:ext uri="{BB962C8B-B14F-4D97-AF65-F5344CB8AC3E}">
+        <p14:creationId xmlns:p14="http://schemas.microsoft.com/office/powerpoint/2010/main" val="1943791621"/>
+      </p:ext>
+    </p:extLst>
+  </p:cSld>
+  <p:clrMapOvr>
+    <a:masterClrMapping/>
+  </p:clrMapOvr>
+</p:sld>
+</file>
+
+<file path=ppt/slides/slide8.xml><?xml version="1.0" encoding="utf-8"?>
+<p:sld xmlns:a="http://schemas.openxmlformats.org/drawingml/2006/main" xmlns:r="http://schemas.openxmlformats.org/officeDocument/2006/relationships" xmlns:p="http://schemas.openxmlformats.org/presentationml/2006/main">
+  <p:cSld>
+    <p:spTree>
+      <p:nvGrpSpPr>
+        <p:cNvPr id="1" name=""/>
+        <p:cNvGrpSpPr/>
+        <p:nvPr/>
+      </p:nvGrpSpPr>
+      <p:grpSpPr>
+        <a:xfrm>
+          <a:off x="0" y="0"/>
+          <a:ext cx="0" cy="0"/>
+          <a:chOff x="0" y="0"/>
+          <a:chExt cx="0" cy="0"/>
+        </a:xfrm>
+      </p:grpSpPr>
+      <p:sp>
+        <p:nvSpPr>
+          <p:cNvPr id="2" name="Título 1">
+            <a:extLst>
+              <a:ext uri="{FF2B5EF4-FFF2-40B4-BE49-F238E27FC236}">
+                <a16:creationId xmlns:a16="http://schemas.microsoft.com/office/drawing/2014/main" id="{42A5571F-B9DC-41C9-AF93-2DC7153AE32B}"/>
+              </a:ext>
+            </a:extLst>
+          </p:cNvPr>
+          <p:cNvSpPr>
+            <a:spLocks noGrp="1"/>
+          </p:cNvSpPr>
+          <p:nvPr>
+            <p:ph type="title"/>
+          </p:nvPr>
+        </p:nvSpPr>
+        <p:spPr/>
+        <p:txBody>
+          <a:bodyPr/>
+          <a:lstStyle/>
+          <a:p>
+            <a:r>
+              <a:rPr lang="es-CL" dirty="0"/>
+              <a:t>Resultados actuales</a:t>
+            </a:r>
+          </a:p>
+        </p:txBody>
+      </p:sp>
+      <p:sp>
+        <p:nvSpPr>
+          <p:cNvPr id="3" name="Marcador de contenido 2">
+            <a:extLst>
+              <a:ext uri="{FF2B5EF4-FFF2-40B4-BE49-F238E27FC236}">
+                <a16:creationId xmlns:a16="http://schemas.microsoft.com/office/drawing/2014/main" id="{FF0FE7B4-3574-412B-AA04-A9DD05E6D130}"/>
+              </a:ext>
+            </a:extLst>
+          </p:cNvPr>
+          <p:cNvSpPr>
+            <a:spLocks noGrp="1"/>
+          </p:cNvSpPr>
+          <p:nvPr>
+            <p:ph idx="1"/>
+          </p:nvPr>
+        </p:nvSpPr>
+        <p:spPr>
+          <a:xfrm>
+            <a:off x="1141410" y="2202834"/>
+            <a:ext cx="9905999" cy="3541714"/>
+          </a:xfrm>
+        </p:spPr>
+        <p:txBody>
+          <a:bodyPr/>
+          <a:lstStyle/>
+          <a:p>
+            <a:r>
+              <a:rPr lang="es-CL" dirty="0"/>
+              <a:t>LOSS</a:t>
+            </a:r>
+          </a:p>
+        </p:txBody>
+      </p:sp>
+      <p:pic>
+        <p:nvPicPr>
+          <p:cNvPr id="5" name="Imagen 4">
+            <a:extLst>
+              <a:ext uri="{FF2B5EF4-FFF2-40B4-BE49-F238E27FC236}">
+                <a16:creationId xmlns:a16="http://schemas.microsoft.com/office/drawing/2014/main" id="{96DDC963-ABA7-4B28-9203-6E532E70F5BF}"/>
+              </a:ext>
+            </a:extLst>
+          </p:cNvPr>
+          <p:cNvPicPr>
+            <a:picLocks noChangeAspect="1"/>
+          </p:cNvPicPr>
+          <p:nvPr/>
+        </p:nvPicPr>
+        <p:blipFill>
+          <a:blip r:embed="rId2"/>
+          <a:stretch>
+            <a:fillRect/>
+          </a:stretch>
+        </p:blipFill>
+        <p:spPr>
+          <a:xfrm>
+            <a:off x="903284" y="2745921"/>
+            <a:ext cx="10144125" cy="3848100"/>
+          </a:xfrm>
+          <a:prstGeom prst="rect">
+            <a:avLst/>
+          </a:prstGeom>
+        </p:spPr>
+      </p:pic>
+    </p:spTree>
+    <p:extLst>
+      <p:ext uri="{BB962C8B-B14F-4D97-AF65-F5344CB8AC3E}">
+        <p14:creationId xmlns:p14="http://schemas.microsoft.com/office/powerpoint/2010/main" val="478313356"/>
+      </p:ext>
+    </p:extLst>
+  </p:cSld>
+  <p:clrMapOvr>
+    <a:masterClrMapping/>
+  </p:clrMapOvr>
+</p:sld>
+</file>
+
 <file path=ppt/theme/theme1.xml><?xml version="1.0" encoding="utf-8"?>
 <a:theme xmlns:a="http://schemas.openxmlformats.org/drawingml/2006/main" name="Circuito">
   <a:themeElements>
